--- a/Documentação/Canvas.pptx
+++ b/Documentação/Canvas.pptx
@@ -155,10 +155,9 @@
           </a:lstStyle>
           <a:p>
             <a:r>
-              <a:rPr lang="pt-BR" smtClean="0"/>
+              <a:rPr lang="pt-BR"/>
               <a:t>Clique para editar o título mestre</a:t>
             </a:r>
-            <a:endParaRPr lang="pt-BR"/>
           </a:p>
         </p:txBody>
       </p:sp>
@@ -220,10 +219,9 @@
           </a:lstStyle>
           <a:p>
             <a:r>
-              <a:rPr lang="pt-BR" smtClean="0"/>
+              <a:rPr lang="pt-BR"/>
               <a:t>Clique para editar o estilo do subtítulo Mestre</a:t>
             </a:r>
-            <a:endParaRPr lang="pt-BR"/>
           </a:p>
         </p:txBody>
       </p:sp>
@@ -244,7 +242,7 @@
           <a:p>
             <a:fld id="{DB926DE1-1702-4379-978D-BE2C4791EA06}" type="datetimeFigureOut">
               <a:rPr lang="pt-BR" smtClean="0"/>
-              <a:t>02/09/2020</a:t>
+              <a:t>06/09/2020</a:t>
             </a:fld>
             <a:endParaRPr lang="pt-BR"/>
           </a:p>
@@ -286,7 +284,7 @@
           <a:p>
             <a:fld id="{748233F4-9C1E-4A7B-B2B0-E24452286832}" type="slidenum">
               <a:rPr lang="pt-BR" smtClean="0"/>
-              <a:t>‹nº›</a:t>
+              <a:t>‹#›</a:t>
             </a:fld>
             <a:endParaRPr lang="pt-BR"/>
           </a:p>
@@ -338,10 +336,9 @@
           <a:lstStyle/>
           <a:p>
             <a:r>
-              <a:rPr lang="pt-BR" smtClean="0"/>
+              <a:rPr lang="pt-BR"/>
               <a:t>Clique para editar o título mestre</a:t>
             </a:r>
-            <a:endParaRPr lang="pt-BR"/>
           </a:p>
         </p:txBody>
       </p:sp>
@@ -362,38 +359,37 @@
           <a:p>
             <a:pPr lvl="0"/>
             <a:r>
-              <a:rPr lang="pt-BR" smtClean="0"/>
+              <a:rPr lang="pt-BR"/>
               <a:t>Editar estilos de texto Mestre</a:t>
             </a:r>
           </a:p>
           <a:p>
             <a:pPr lvl="1"/>
             <a:r>
-              <a:rPr lang="pt-BR" smtClean="0"/>
+              <a:rPr lang="pt-BR"/>
               <a:t>Segundo nível</a:t>
             </a:r>
           </a:p>
           <a:p>
             <a:pPr lvl="2"/>
             <a:r>
-              <a:rPr lang="pt-BR" smtClean="0"/>
+              <a:rPr lang="pt-BR"/>
               <a:t>Terceiro nível</a:t>
             </a:r>
           </a:p>
           <a:p>
             <a:pPr lvl="3"/>
             <a:r>
-              <a:rPr lang="pt-BR" smtClean="0"/>
+              <a:rPr lang="pt-BR"/>
               <a:t>Quarto nível</a:t>
             </a:r>
           </a:p>
           <a:p>
             <a:pPr lvl="4"/>
             <a:r>
-              <a:rPr lang="pt-BR" smtClean="0"/>
+              <a:rPr lang="pt-BR"/>
               <a:t>Quinto nível</a:t>
             </a:r>
-            <a:endParaRPr lang="pt-BR"/>
           </a:p>
         </p:txBody>
       </p:sp>
@@ -414,7 +410,7 @@
           <a:p>
             <a:fld id="{DB926DE1-1702-4379-978D-BE2C4791EA06}" type="datetimeFigureOut">
               <a:rPr lang="pt-BR" smtClean="0"/>
-              <a:t>02/09/2020</a:t>
+              <a:t>06/09/2020</a:t>
             </a:fld>
             <a:endParaRPr lang="pt-BR"/>
           </a:p>
@@ -456,7 +452,7 @@
           <a:p>
             <a:fld id="{748233F4-9C1E-4A7B-B2B0-E24452286832}" type="slidenum">
               <a:rPr lang="pt-BR" smtClean="0"/>
-              <a:t>‹nº›</a:t>
+              <a:t>‹#›</a:t>
             </a:fld>
             <a:endParaRPr lang="pt-BR"/>
           </a:p>
@@ -513,10 +509,9 @@
           <a:lstStyle/>
           <a:p>
             <a:r>
-              <a:rPr lang="pt-BR" smtClean="0"/>
+              <a:rPr lang="pt-BR"/>
               <a:t>Clique para editar o título mestre</a:t>
             </a:r>
-            <a:endParaRPr lang="pt-BR"/>
           </a:p>
         </p:txBody>
       </p:sp>
@@ -542,38 +537,37 @@
           <a:p>
             <a:pPr lvl="0"/>
             <a:r>
-              <a:rPr lang="pt-BR" smtClean="0"/>
+              <a:rPr lang="pt-BR"/>
               <a:t>Editar estilos de texto Mestre</a:t>
             </a:r>
           </a:p>
           <a:p>
             <a:pPr lvl="1"/>
             <a:r>
-              <a:rPr lang="pt-BR" smtClean="0"/>
+              <a:rPr lang="pt-BR"/>
               <a:t>Segundo nível</a:t>
             </a:r>
           </a:p>
           <a:p>
             <a:pPr lvl="2"/>
             <a:r>
-              <a:rPr lang="pt-BR" smtClean="0"/>
+              <a:rPr lang="pt-BR"/>
               <a:t>Terceiro nível</a:t>
             </a:r>
           </a:p>
           <a:p>
             <a:pPr lvl="3"/>
             <a:r>
-              <a:rPr lang="pt-BR" smtClean="0"/>
+              <a:rPr lang="pt-BR"/>
               <a:t>Quarto nível</a:t>
             </a:r>
           </a:p>
           <a:p>
             <a:pPr lvl="4"/>
             <a:r>
-              <a:rPr lang="pt-BR" smtClean="0"/>
+              <a:rPr lang="pt-BR"/>
               <a:t>Quinto nível</a:t>
             </a:r>
-            <a:endParaRPr lang="pt-BR"/>
           </a:p>
         </p:txBody>
       </p:sp>
@@ -594,7 +588,7 @@
           <a:p>
             <a:fld id="{DB926DE1-1702-4379-978D-BE2C4791EA06}" type="datetimeFigureOut">
               <a:rPr lang="pt-BR" smtClean="0"/>
-              <a:t>02/09/2020</a:t>
+              <a:t>06/09/2020</a:t>
             </a:fld>
             <a:endParaRPr lang="pt-BR"/>
           </a:p>
@@ -636,7 +630,7 @@
           <a:p>
             <a:fld id="{748233F4-9C1E-4A7B-B2B0-E24452286832}" type="slidenum">
               <a:rPr lang="pt-BR" smtClean="0"/>
-              <a:t>‹nº›</a:t>
+              <a:t>‹#›</a:t>
             </a:fld>
             <a:endParaRPr lang="pt-BR"/>
           </a:p>
@@ -688,10 +682,9 @@
           <a:lstStyle/>
           <a:p>
             <a:r>
-              <a:rPr lang="pt-BR" smtClean="0"/>
+              <a:rPr lang="pt-BR"/>
               <a:t>Clique para editar o título mestre</a:t>
             </a:r>
-            <a:endParaRPr lang="pt-BR"/>
           </a:p>
         </p:txBody>
       </p:sp>
@@ -712,38 +705,37 @@
           <a:p>
             <a:pPr lvl="0"/>
             <a:r>
-              <a:rPr lang="pt-BR" smtClean="0"/>
+              <a:rPr lang="pt-BR"/>
               <a:t>Editar estilos de texto Mestre</a:t>
             </a:r>
           </a:p>
           <a:p>
             <a:pPr lvl="1"/>
             <a:r>
-              <a:rPr lang="pt-BR" smtClean="0"/>
+              <a:rPr lang="pt-BR"/>
               <a:t>Segundo nível</a:t>
             </a:r>
           </a:p>
           <a:p>
             <a:pPr lvl="2"/>
             <a:r>
-              <a:rPr lang="pt-BR" smtClean="0"/>
+              <a:rPr lang="pt-BR"/>
               <a:t>Terceiro nível</a:t>
             </a:r>
           </a:p>
           <a:p>
             <a:pPr lvl="3"/>
             <a:r>
-              <a:rPr lang="pt-BR" smtClean="0"/>
+              <a:rPr lang="pt-BR"/>
               <a:t>Quarto nível</a:t>
             </a:r>
           </a:p>
           <a:p>
             <a:pPr lvl="4"/>
             <a:r>
-              <a:rPr lang="pt-BR" smtClean="0"/>
+              <a:rPr lang="pt-BR"/>
               <a:t>Quinto nível</a:t>
             </a:r>
-            <a:endParaRPr lang="pt-BR"/>
           </a:p>
         </p:txBody>
       </p:sp>
@@ -764,7 +756,7 @@
           <a:p>
             <a:fld id="{DB926DE1-1702-4379-978D-BE2C4791EA06}" type="datetimeFigureOut">
               <a:rPr lang="pt-BR" smtClean="0"/>
-              <a:t>02/09/2020</a:t>
+              <a:t>06/09/2020</a:t>
             </a:fld>
             <a:endParaRPr lang="pt-BR"/>
           </a:p>
@@ -806,7 +798,7 @@
           <a:p>
             <a:fld id="{748233F4-9C1E-4A7B-B2B0-E24452286832}" type="slidenum">
               <a:rPr lang="pt-BR" smtClean="0"/>
-              <a:t>‹nº›</a:t>
+              <a:t>‹#›</a:t>
             </a:fld>
             <a:endParaRPr lang="pt-BR"/>
           </a:p>
@@ -867,10 +859,9 @@
           </a:lstStyle>
           <a:p>
             <a:r>
-              <a:rPr lang="pt-BR" smtClean="0"/>
+              <a:rPr lang="pt-BR"/>
               <a:t>Clique para editar o título mestre</a:t>
             </a:r>
-            <a:endParaRPr lang="pt-BR"/>
           </a:p>
         </p:txBody>
       </p:sp>
@@ -987,7 +978,7 @@
           <a:p>
             <a:pPr lvl="0"/>
             <a:r>
-              <a:rPr lang="pt-BR" smtClean="0"/>
+              <a:rPr lang="pt-BR"/>
               <a:t>Editar estilos de texto Mestre</a:t>
             </a:r>
           </a:p>
@@ -1010,7 +1001,7 @@
           <a:p>
             <a:fld id="{DB926DE1-1702-4379-978D-BE2C4791EA06}" type="datetimeFigureOut">
               <a:rPr lang="pt-BR" smtClean="0"/>
-              <a:t>02/09/2020</a:t>
+              <a:t>06/09/2020</a:t>
             </a:fld>
             <a:endParaRPr lang="pt-BR"/>
           </a:p>
@@ -1052,7 +1043,7 @@
           <a:p>
             <a:fld id="{748233F4-9C1E-4A7B-B2B0-E24452286832}" type="slidenum">
               <a:rPr lang="pt-BR" smtClean="0"/>
-              <a:t>‹nº›</a:t>
+              <a:t>‹#›</a:t>
             </a:fld>
             <a:endParaRPr lang="pt-BR"/>
           </a:p>
@@ -1104,10 +1095,9 @@
           <a:lstStyle/>
           <a:p>
             <a:r>
-              <a:rPr lang="pt-BR" smtClean="0"/>
+              <a:rPr lang="pt-BR"/>
               <a:t>Clique para editar o título mestre</a:t>
             </a:r>
-            <a:endParaRPr lang="pt-BR"/>
           </a:p>
         </p:txBody>
       </p:sp>
@@ -1133,38 +1123,37 @@
           <a:p>
             <a:pPr lvl="0"/>
             <a:r>
-              <a:rPr lang="pt-BR" smtClean="0"/>
+              <a:rPr lang="pt-BR"/>
               <a:t>Editar estilos de texto Mestre</a:t>
             </a:r>
           </a:p>
           <a:p>
             <a:pPr lvl="1"/>
             <a:r>
-              <a:rPr lang="pt-BR" smtClean="0"/>
+              <a:rPr lang="pt-BR"/>
               <a:t>Segundo nível</a:t>
             </a:r>
           </a:p>
           <a:p>
             <a:pPr lvl="2"/>
             <a:r>
-              <a:rPr lang="pt-BR" smtClean="0"/>
+              <a:rPr lang="pt-BR"/>
               <a:t>Terceiro nível</a:t>
             </a:r>
           </a:p>
           <a:p>
             <a:pPr lvl="3"/>
             <a:r>
-              <a:rPr lang="pt-BR" smtClean="0"/>
+              <a:rPr lang="pt-BR"/>
               <a:t>Quarto nível</a:t>
             </a:r>
           </a:p>
           <a:p>
             <a:pPr lvl="4"/>
             <a:r>
-              <a:rPr lang="pt-BR" smtClean="0"/>
+              <a:rPr lang="pt-BR"/>
               <a:t>Quinto nível</a:t>
             </a:r>
-            <a:endParaRPr lang="pt-BR"/>
           </a:p>
         </p:txBody>
       </p:sp>
@@ -1190,38 +1179,37 @@
           <a:p>
             <a:pPr lvl="0"/>
             <a:r>
-              <a:rPr lang="pt-BR" smtClean="0"/>
+              <a:rPr lang="pt-BR"/>
               <a:t>Editar estilos de texto Mestre</a:t>
             </a:r>
           </a:p>
           <a:p>
             <a:pPr lvl="1"/>
             <a:r>
-              <a:rPr lang="pt-BR" smtClean="0"/>
+              <a:rPr lang="pt-BR"/>
               <a:t>Segundo nível</a:t>
             </a:r>
           </a:p>
           <a:p>
             <a:pPr lvl="2"/>
             <a:r>
-              <a:rPr lang="pt-BR" smtClean="0"/>
+              <a:rPr lang="pt-BR"/>
               <a:t>Terceiro nível</a:t>
             </a:r>
           </a:p>
           <a:p>
             <a:pPr lvl="3"/>
             <a:r>
-              <a:rPr lang="pt-BR" smtClean="0"/>
+              <a:rPr lang="pt-BR"/>
               <a:t>Quarto nível</a:t>
             </a:r>
           </a:p>
           <a:p>
             <a:pPr lvl="4"/>
             <a:r>
-              <a:rPr lang="pt-BR" smtClean="0"/>
+              <a:rPr lang="pt-BR"/>
               <a:t>Quinto nível</a:t>
             </a:r>
-            <a:endParaRPr lang="pt-BR"/>
           </a:p>
         </p:txBody>
       </p:sp>
@@ -1242,7 +1230,7 @@
           <a:p>
             <a:fld id="{DB926DE1-1702-4379-978D-BE2C4791EA06}" type="datetimeFigureOut">
               <a:rPr lang="pt-BR" smtClean="0"/>
-              <a:t>02/09/2020</a:t>
+              <a:t>06/09/2020</a:t>
             </a:fld>
             <a:endParaRPr lang="pt-BR"/>
           </a:p>
@@ -1284,7 +1272,7 @@
           <a:p>
             <a:fld id="{748233F4-9C1E-4A7B-B2B0-E24452286832}" type="slidenum">
               <a:rPr lang="pt-BR" smtClean="0"/>
-              <a:t>‹nº›</a:t>
+              <a:t>‹#›</a:t>
             </a:fld>
             <a:endParaRPr lang="pt-BR"/>
           </a:p>
@@ -1341,10 +1329,9 @@
           <a:lstStyle/>
           <a:p>
             <a:r>
-              <a:rPr lang="pt-BR" smtClean="0"/>
+              <a:rPr lang="pt-BR"/>
               <a:t>Clique para editar o título mestre</a:t>
             </a:r>
-            <a:endParaRPr lang="pt-BR"/>
           </a:p>
         </p:txBody>
       </p:sp>
@@ -1407,7 +1394,7 @@
           <a:p>
             <a:pPr lvl="0"/>
             <a:r>
-              <a:rPr lang="pt-BR" smtClean="0"/>
+              <a:rPr lang="pt-BR"/>
               <a:t>Editar estilos de texto Mestre</a:t>
             </a:r>
           </a:p>
@@ -1435,38 +1422,37 @@
           <a:p>
             <a:pPr lvl="0"/>
             <a:r>
-              <a:rPr lang="pt-BR" smtClean="0"/>
+              <a:rPr lang="pt-BR"/>
               <a:t>Editar estilos de texto Mestre</a:t>
             </a:r>
           </a:p>
           <a:p>
             <a:pPr lvl="1"/>
             <a:r>
-              <a:rPr lang="pt-BR" smtClean="0"/>
+              <a:rPr lang="pt-BR"/>
               <a:t>Segundo nível</a:t>
             </a:r>
           </a:p>
           <a:p>
             <a:pPr lvl="2"/>
             <a:r>
-              <a:rPr lang="pt-BR" smtClean="0"/>
+              <a:rPr lang="pt-BR"/>
               <a:t>Terceiro nível</a:t>
             </a:r>
           </a:p>
           <a:p>
             <a:pPr lvl="3"/>
             <a:r>
-              <a:rPr lang="pt-BR" smtClean="0"/>
+              <a:rPr lang="pt-BR"/>
               <a:t>Quarto nível</a:t>
             </a:r>
           </a:p>
           <a:p>
             <a:pPr lvl="4"/>
             <a:r>
-              <a:rPr lang="pt-BR" smtClean="0"/>
+              <a:rPr lang="pt-BR"/>
               <a:t>Quinto nível</a:t>
             </a:r>
-            <a:endParaRPr lang="pt-BR"/>
           </a:p>
         </p:txBody>
       </p:sp>
@@ -1529,7 +1515,7 @@
           <a:p>
             <a:pPr lvl="0"/>
             <a:r>
-              <a:rPr lang="pt-BR" smtClean="0"/>
+              <a:rPr lang="pt-BR"/>
               <a:t>Editar estilos de texto Mestre</a:t>
             </a:r>
           </a:p>
@@ -1557,38 +1543,37 @@
           <a:p>
             <a:pPr lvl="0"/>
             <a:r>
-              <a:rPr lang="pt-BR" smtClean="0"/>
+              <a:rPr lang="pt-BR"/>
               <a:t>Editar estilos de texto Mestre</a:t>
             </a:r>
           </a:p>
           <a:p>
             <a:pPr lvl="1"/>
             <a:r>
-              <a:rPr lang="pt-BR" smtClean="0"/>
+              <a:rPr lang="pt-BR"/>
               <a:t>Segundo nível</a:t>
             </a:r>
           </a:p>
           <a:p>
             <a:pPr lvl="2"/>
             <a:r>
-              <a:rPr lang="pt-BR" smtClean="0"/>
+              <a:rPr lang="pt-BR"/>
               <a:t>Terceiro nível</a:t>
             </a:r>
           </a:p>
           <a:p>
             <a:pPr lvl="3"/>
             <a:r>
-              <a:rPr lang="pt-BR" smtClean="0"/>
+              <a:rPr lang="pt-BR"/>
               <a:t>Quarto nível</a:t>
             </a:r>
           </a:p>
           <a:p>
             <a:pPr lvl="4"/>
             <a:r>
-              <a:rPr lang="pt-BR" smtClean="0"/>
+              <a:rPr lang="pt-BR"/>
               <a:t>Quinto nível</a:t>
             </a:r>
-            <a:endParaRPr lang="pt-BR"/>
           </a:p>
         </p:txBody>
       </p:sp>
@@ -1609,7 +1594,7 @@
           <a:p>
             <a:fld id="{DB926DE1-1702-4379-978D-BE2C4791EA06}" type="datetimeFigureOut">
               <a:rPr lang="pt-BR" smtClean="0"/>
-              <a:t>02/09/2020</a:t>
+              <a:t>06/09/2020</a:t>
             </a:fld>
             <a:endParaRPr lang="pt-BR"/>
           </a:p>
@@ -1651,7 +1636,7 @@
           <a:p>
             <a:fld id="{748233F4-9C1E-4A7B-B2B0-E24452286832}" type="slidenum">
               <a:rPr lang="pt-BR" smtClean="0"/>
-              <a:t>‹nº›</a:t>
+              <a:t>‹#›</a:t>
             </a:fld>
             <a:endParaRPr lang="pt-BR"/>
           </a:p>
@@ -1703,10 +1688,9 @@
           <a:lstStyle/>
           <a:p>
             <a:r>
-              <a:rPr lang="pt-BR" smtClean="0"/>
+              <a:rPr lang="pt-BR"/>
               <a:t>Clique para editar o título mestre</a:t>
             </a:r>
-            <a:endParaRPr lang="pt-BR"/>
           </a:p>
         </p:txBody>
       </p:sp>
@@ -1727,7 +1711,7 @@
           <a:p>
             <a:fld id="{DB926DE1-1702-4379-978D-BE2C4791EA06}" type="datetimeFigureOut">
               <a:rPr lang="pt-BR" smtClean="0"/>
-              <a:t>02/09/2020</a:t>
+              <a:t>06/09/2020</a:t>
             </a:fld>
             <a:endParaRPr lang="pt-BR"/>
           </a:p>
@@ -1769,7 +1753,7 @@
           <a:p>
             <a:fld id="{748233F4-9C1E-4A7B-B2B0-E24452286832}" type="slidenum">
               <a:rPr lang="pt-BR" smtClean="0"/>
-              <a:t>‹nº›</a:t>
+              <a:t>‹#›</a:t>
             </a:fld>
             <a:endParaRPr lang="pt-BR"/>
           </a:p>
@@ -1822,7 +1806,7 @@
           <a:p>
             <a:fld id="{DB926DE1-1702-4379-978D-BE2C4791EA06}" type="datetimeFigureOut">
               <a:rPr lang="pt-BR" smtClean="0"/>
-              <a:t>02/09/2020</a:t>
+              <a:t>06/09/2020</a:t>
             </a:fld>
             <a:endParaRPr lang="pt-BR"/>
           </a:p>
@@ -1864,7 +1848,7 @@
           <a:p>
             <a:fld id="{748233F4-9C1E-4A7B-B2B0-E24452286832}" type="slidenum">
               <a:rPr lang="pt-BR" smtClean="0"/>
-              <a:t>‹nº›</a:t>
+              <a:t>‹#›</a:t>
             </a:fld>
             <a:endParaRPr lang="pt-BR"/>
           </a:p>
@@ -1925,10 +1909,9 @@
           </a:lstStyle>
           <a:p>
             <a:r>
-              <a:rPr lang="pt-BR" smtClean="0"/>
+              <a:rPr lang="pt-BR"/>
               <a:t>Clique para editar o título mestre</a:t>
             </a:r>
-            <a:endParaRPr lang="pt-BR"/>
           </a:p>
         </p:txBody>
       </p:sp>
@@ -1982,38 +1965,37 @@
           <a:p>
             <a:pPr lvl="0"/>
             <a:r>
-              <a:rPr lang="pt-BR" smtClean="0"/>
+              <a:rPr lang="pt-BR"/>
               <a:t>Editar estilos de texto Mestre</a:t>
             </a:r>
           </a:p>
           <a:p>
             <a:pPr lvl="1"/>
             <a:r>
-              <a:rPr lang="pt-BR" smtClean="0"/>
+              <a:rPr lang="pt-BR"/>
               <a:t>Segundo nível</a:t>
             </a:r>
           </a:p>
           <a:p>
             <a:pPr lvl="2"/>
             <a:r>
-              <a:rPr lang="pt-BR" smtClean="0"/>
+              <a:rPr lang="pt-BR"/>
               <a:t>Terceiro nível</a:t>
             </a:r>
           </a:p>
           <a:p>
             <a:pPr lvl="3"/>
             <a:r>
-              <a:rPr lang="pt-BR" smtClean="0"/>
+              <a:rPr lang="pt-BR"/>
               <a:t>Quarto nível</a:t>
             </a:r>
           </a:p>
           <a:p>
             <a:pPr lvl="4"/>
             <a:r>
-              <a:rPr lang="pt-BR" smtClean="0"/>
+              <a:rPr lang="pt-BR"/>
               <a:t>Quinto nível</a:t>
             </a:r>
-            <a:endParaRPr lang="pt-BR"/>
           </a:p>
         </p:txBody>
       </p:sp>
@@ -2076,7 +2058,7 @@
           <a:p>
             <a:pPr lvl="0"/>
             <a:r>
-              <a:rPr lang="pt-BR" smtClean="0"/>
+              <a:rPr lang="pt-BR"/>
               <a:t>Editar estilos de texto Mestre</a:t>
             </a:r>
           </a:p>
@@ -2099,7 +2081,7 @@
           <a:p>
             <a:fld id="{DB926DE1-1702-4379-978D-BE2C4791EA06}" type="datetimeFigureOut">
               <a:rPr lang="pt-BR" smtClean="0"/>
-              <a:t>02/09/2020</a:t>
+              <a:t>06/09/2020</a:t>
             </a:fld>
             <a:endParaRPr lang="pt-BR"/>
           </a:p>
@@ -2141,7 +2123,7 @@
           <a:p>
             <a:fld id="{748233F4-9C1E-4A7B-B2B0-E24452286832}" type="slidenum">
               <a:rPr lang="pt-BR" smtClean="0"/>
-              <a:t>‹nº›</a:t>
+              <a:t>‹#›</a:t>
             </a:fld>
             <a:endParaRPr lang="pt-BR"/>
           </a:p>
@@ -2202,10 +2184,9 @@
           </a:lstStyle>
           <a:p>
             <a:r>
-              <a:rPr lang="pt-BR" smtClean="0"/>
+              <a:rPr lang="pt-BR"/>
               <a:t>Clique para editar o título mestre</a:t>
             </a:r>
-            <a:endParaRPr lang="pt-BR"/>
           </a:p>
         </p:txBody>
       </p:sp>
@@ -2329,7 +2310,7 @@
           <a:p>
             <a:pPr lvl="0"/>
             <a:r>
-              <a:rPr lang="pt-BR" smtClean="0"/>
+              <a:rPr lang="pt-BR"/>
               <a:t>Editar estilos de texto Mestre</a:t>
             </a:r>
           </a:p>
@@ -2352,7 +2333,7 @@
           <a:p>
             <a:fld id="{DB926DE1-1702-4379-978D-BE2C4791EA06}" type="datetimeFigureOut">
               <a:rPr lang="pt-BR" smtClean="0"/>
-              <a:t>02/09/2020</a:t>
+              <a:t>06/09/2020</a:t>
             </a:fld>
             <a:endParaRPr lang="pt-BR"/>
           </a:p>
@@ -2394,7 +2375,7 @@
           <a:p>
             <a:fld id="{748233F4-9C1E-4A7B-B2B0-E24452286832}" type="slidenum">
               <a:rPr lang="pt-BR" smtClean="0"/>
-              <a:t>‹nº›</a:t>
+              <a:t>‹#›</a:t>
             </a:fld>
             <a:endParaRPr lang="pt-BR"/>
           </a:p>
@@ -2461,10 +2442,9 @@
           <a:lstStyle/>
           <a:p>
             <a:r>
-              <a:rPr lang="pt-BR" smtClean="0"/>
+              <a:rPr lang="pt-BR"/>
               <a:t>Clique para editar o título mestre</a:t>
             </a:r>
-            <a:endParaRPr lang="pt-BR"/>
           </a:p>
         </p:txBody>
       </p:sp>
@@ -2495,38 +2475,37 @@
           <a:p>
             <a:pPr lvl="0"/>
             <a:r>
-              <a:rPr lang="pt-BR" smtClean="0"/>
+              <a:rPr lang="pt-BR"/>
               <a:t>Editar estilos de texto Mestre</a:t>
             </a:r>
           </a:p>
           <a:p>
             <a:pPr lvl="1"/>
             <a:r>
-              <a:rPr lang="pt-BR" smtClean="0"/>
+              <a:rPr lang="pt-BR"/>
               <a:t>Segundo nível</a:t>
             </a:r>
           </a:p>
           <a:p>
             <a:pPr lvl="2"/>
             <a:r>
-              <a:rPr lang="pt-BR" smtClean="0"/>
+              <a:rPr lang="pt-BR"/>
               <a:t>Terceiro nível</a:t>
             </a:r>
           </a:p>
           <a:p>
             <a:pPr lvl="3"/>
             <a:r>
-              <a:rPr lang="pt-BR" smtClean="0"/>
+              <a:rPr lang="pt-BR"/>
               <a:t>Quarto nível</a:t>
             </a:r>
           </a:p>
           <a:p>
             <a:pPr lvl="4"/>
             <a:r>
-              <a:rPr lang="pt-BR" smtClean="0"/>
+              <a:rPr lang="pt-BR"/>
               <a:t>Quinto nível</a:t>
             </a:r>
-            <a:endParaRPr lang="pt-BR"/>
           </a:p>
         </p:txBody>
       </p:sp>
@@ -2565,7 +2544,7 @@
           <a:p>
             <a:fld id="{DB926DE1-1702-4379-978D-BE2C4791EA06}" type="datetimeFigureOut">
               <a:rPr lang="pt-BR" smtClean="0"/>
-              <a:t>02/09/2020</a:t>
+              <a:t>06/09/2020</a:t>
             </a:fld>
             <a:endParaRPr lang="pt-BR"/>
           </a:p>
@@ -2643,7 +2622,7 @@
           <a:p>
             <a:fld id="{748233F4-9C1E-4A7B-B2B0-E24452286832}" type="slidenum">
               <a:rPr lang="pt-BR" smtClean="0"/>
-              <a:t>‹nº›</a:t>
+              <a:t>‹#›</a:t>
             </a:fld>
             <a:endParaRPr lang="pt-BR"/>
           </a:p>
@@ -3736,14 +3715,11 @@
           <a:lstStyle/>
           <a:p>
             <a:r>
-              <a:rPr lang="pt-BR" sz="1200" dirty="0" smtClean="0">
+              <a:rPr lang="pt-BR" sz="1200" dirty="0">
                 <a:latin typeface="Rockwell" panose="02060603020205020403" pitchFamily="18" charset="0"/>
               </a:rPr>
               <a:t>Programas de edição lentos/travando</a:t>
             </a:r>
-            <a:endParaRPr lang="pt-BR" sz="1200" dirty="0">
-              <a:latin typeface="Rockwell" panose="02060603020205020403" pitchFamily="18" charset="0"/>
-            </a:endParaRPr>
           </a:p>
         </p:txBody>
       </p:sp>
@@ -3770,7 +3746,7 @@
           <a:lstStyle/>
           <a:p>
             <a:r>
-              <a:rPr lang="pt-BR" sz="1200" dirty="0" smtClean="0">
+              <a:rPr lang="pt-BR" sz="1200" dirty="0">
                 <a:latin typeface="Rockwell" panose="02060603020205020403" pitchFamily="18" charset="0"/>
               </a:rPr>
               <a:t>Cansaço nas vistas</a:t>
@@ -3801,20 +3777,11 @@
           <a:lstStyle/>
           <a:p>
             <a:r>
-              <a:rPr lang="pt-BR" sz="1200" dirty="0" smtClean="0">
+              <a:rPr lang="pt-BR" sz="1200" dirty="0">
                 <a:latin typeface="Rockwell" panose="02060603020205020403" pitchFamily="18" charset="0"/>
               </a:rPr>
-              <a:t>Maquina com hardware </a:t>
-            </a:r>
-            <a:r>
-              <a:rPr lang="pt-BR" sz="1200" dirty="0" smtClean="0">
-                <a:latin typeface="Rockwell" panose="02060603020205020403" pitchFamily="18" charset="0"/>
-              </a:rPr>
-              <a:t> inadequado</a:t>
-            </a:r>
-            <a:endParaRPr lang="pt-BR" sz="1200" dirty="0" smtClean="0">
-              <a:latin typeface="Rockwell" panose="02060603020205020403" pitchFamily="18" charset="0"/>
-            </a:endParaRPr>
+              <a:t>Maquina com hardware  inadequado</a:t>
+            </a:r>
           </a:p>
         </p:txBody>
       </p:sp>
@@ -3841,7 +3808,7 @@
           <a:lstStyle/>
           <a:p>
             <a:r>
-              <a:rPr lang="pt-BR" sz="1200" dirty="0" smtClean="0">
+              <a:rPr lang="pt-BR" sz="1200" dirty="0">
                 <a:latin typeface="Rockwell" panose="02060603020205020403" pitchFamily="18" charset="0"/>
               </a:rPr>
               <a:t>Modo </a:t>
@@ -3849,7 +3816,7 @@
           </a:p>
           <a:p>
             <a:r>
-              <a:rPr lang="pt-BR" sz="1200" dirty="0" smtClean="0">
+              <a:rPr lang="pt-BR" sz="1200" dirty="0">
                 <a:latin typeface="Rockwell" panose="02060603020205020403" pitchFamily="18" charset="0"/>
               </a:rPr>
               <a:t>noturno</a:t>
@@ -3880,7 +3847,7 @@
           <a:lstStyle/>
           <a:p>
             <a:r>
-              <a:rPr lang="pt-BR" sz="1200" dirty="0" smtClean="0">
+              <a:rPr lang="pt-BR" sz="1200" dirty="0">
                 <a:latin typeface="Rockwell" panose="02060603020205020403" pitchFamily="18" charset="0"/>
               </a:rPr>
               <a:t>Monitoramento de CPU, RAM e disco</a:t>
@@ -3911,14 +3878,11 @@
           <a:lstStyle/>
           <a:p>
             <a:r>
-              <a:rPr lang="pt-BR" sz="1200" dirty="0" smtClean="0">
+              <a:rPr lang="pt-BR" sz="1200" dirty="0">
                 <a:latin typeface="Rockwell" panose="02060603020205020403" pitchFamily="18" charset="0"/>
               </a:rPr>
               <a:t>Sugestões de upgrades</a:t>
             </a:r>
-            <a:endParaRPr lang="pt-BR" sz="1200" dirty="0">
-              <a:latin typeface="Rockwell" panose="02060603020205020403" pitchFamily="18" charset="0"/>
-            </a:endParaRPr>
           </a:p>
         </p:txBody>
       </p:sp>
@@ -3945,7 +3909,7 @@
           <a:lstStyle/>
           <a:p>
             <a:r>
-              <a:rPr lang="pt-BR" sz="1100" dirty="0" smtClean="0">
+              <a:rPr lang="pt-BR" sz="1100" dirty="0">
                 <a:latin typeface="Rockwell" panose="02060603020205020403" pitchFamily="18" charset="0"/>
               </a:rPr>
               <a:t>Trabalho otimizado e desempenho maximizado</a:t>
@@ -3976,14 +3940,11 @@
           <a:lstStyle/>
           <a:p>
             <a:r>
-              <a:rPr lang="pt-BR" sz="1100" dirty="0" smtClean="0">
+              <a:rPr lang="pt-BR" sz="1100" dirty="0">
                 <a:latin typeface="Rockwell" panose="02060603020205020403" pitchFamily="18" charset="0"/>
               </a:rPr>
               <a:t>Maquinas 100% funcionando para produção</a:t>
             </a:r>
-            <a:endParaRPr lang="pt-BR" sz="1100" dirty="0" smtClean="0">
-              <a:latin typeface="Rockwell" panose="02060603020205020403" pitchFamily="18" charset="0"/>
-            </a:endParaRPr>
           </a:p>
         </p:txBody>
       </p:sp>
@@ -4010,14 +3971,11 @@
           <a:lstStyle/>
           <a:p>
             <a:r>
-              <a:rPr lang="pt-BR" sz="1200" dirty="0" smtClean="0">
+              <a:rPr lang="pt-BR" sz="1200" dirty="0">
                 <a:latin typeface="Rockwell" panose="02060603020205020403" pitchFamily="18" charset="0"/>
               </a:rPr>
               <a:t>Saúde e conforto dos funcionários</a:t>
             </a:r>
-            <a:endParaRPr lang="pt-BR" sz="1200" dirty="0" smtClean="0">
-              <a:latin typeface="Rockwell" panose="02060603020205020403" pitchFamily="18" charset="0"/>
-            </a:endParaRPr>
           </a:p>
         </p:txBody>
       </p:sp>
@@ -4044,14 +4002,11 @@
           <a:lstStyle/>
           <a:p>
             <a:r>
-              <a:rPr lang="pt-BR" sz="1200" dirty="0" smtClean="0">
+              <a:rPr lang="pt-BR" sz="1200" dirty="0">
                 <a:latin typeface="Rockwell" panose="02060603020205020403" pitchFamily="18" charset="0"/>
               </a:rPr>
               <a:t>Mapeamento da saúde da maquina</a:t>
             </a:r>
-            <a:endParaRPr lang="pt-BR" sz="1200" dirty="0">
-              <a:latin typeface="Rockwell" panose="02060603020205020403" pitchFamily="18" charset="0"/>
-            </a:endParaRPr>
           </a:p>
         </p:txBody>
       </p:sp>
@@ -4078,14 +4033,11 @@
           <a:lstStyle/>
           <a:p>
             <a:r>
-              <a:rPr lang="pt-BR" sz="1200" dirty="0" smtClean="0">
+              <a:rPr lang="pt-BR" sz="1200" dirty="0">
                 <a:latin typeface="Rockwell" panose="02060603020205020403" pitchFamily="18" charset="0"/>
               </a:rPr>
               <a:t>Funcionários</a:t>
             </a:r>
-            <a:endParaRPr lang="pt-BR" sz="1200" dirty="0" smtClean="0">
-              <a:latin typeface="Rockwell" panose="02060603020205020403" pitchFamily="18" charset="0"/>
-            </a:endParaRPr>
           </a:p>
         </p:txBody>
       </p:sp>
@@ -4112,14 +4064,11 @@
           <a:lstStyle/>
           <a:p>
             <a:r>
-              <a:rPr lang="pt-BR" sz="1200" dirty="0" smtClean="0">
+              <a:rPr lang="pt-BR" sz="1200" dirty="0">
                 <a:latin typeface="Rockwell" panose="02060603020205020403" pitchFamily="18" charset="0"/>
               </a:rPr>
               <a:t>Gestor / Equipe de manutenção de TI</a:t>
             </a:r>
-            <a:endParaRPr lang="pt-BR" sz="1200" dirty="0" smtClean="0">
-              <a:latin typeface="Rockwell" panose="02060603020205020403" pitchFamily="18" charset="0"/>
-            </a:endParaRPr>
           </a:p>
         </p:txBody>
       </p:sp>
@@ -4146,14 +4095,11 @@
           <a:lstStyle/>
           <a:p>
             <a:r>
-              <a:rPr lang="pt-BR" sz="1200" dirty="0" smtClean="0">
+              <a:rPr lang="pt-BR" sz="1200" dirty="0">
                 <a:latin typeface="Rockwell" panose="02060603020205020403" pitchFamily="18" charset="0"/>
               </a:rPr>
               <a:t>Proprietário</a:t>
             </a:r>
-            <a:endParaRPr lang="pt-BR" sz="1200" dirty="0" smtClean="0">
-              <a:latin typeface="Rockwell" panose="02060603020205020403" pitchFamily="18" charset="0"/>
-            </a:endParaRPr>
           </a:p>
         </p:txBody>
       </p:sp>
@@ -4180,14 +4126,11 @@
           <a:lstStyle/>
           <a:p>
             <a:r>
-              <a:rPr lang="pt-BR" sz="3200" b="1" dirty="0" smtClean="0">
+              <a:rPr lang="pt-BR" sz="3200" b="1" dirty="0">
                 <a:latin typeface="Franklin Gothic Medium" panose="020B0603020102020204" pitchFamily="34" charset="0"/>
               </a:rPr>
               <a:t>Pantec – Visão macro</a:t>
             </a:r>
-            <a:endParaRPr lang="pt-BR" sz="3200" b="1" dirty="0">
-              <a:latin typeface="Franklin Gothic Medium" panose="020B0603020102020204" pitchFamily="34" charset="0"/>
-            </a:endParaRPr>
           </a:p>
         </p:txBody>
       </p:sp>
@@ -4265,7 +4208,7 @@
           <a:lstStyle/>
           <a:p>
             <a:r>
-              <a:rPr lang="pt-BR" sz="1150" dirty="0" smtClean="0">
+              <a:rPr lang="pt-BR" sz="1150" dirty="0">
                 <a:latin typeface="Rockwell" panose="02060603020205020403" pitchFamily="18" charset="0"/>
               </a:rPr>
               <a:t>Sites e aplicações secundarias congestionam o computador</a:t>
@@ -4347,7 +4290,7 @@
           <a:lstStyle/>
           <a:p>
             <a:r>
-              <a:rPr lang="pt-BR" sz="1200" dirty="0" smtClean="0">
+              <a:rPr lang="pt-BR" sz="1200" dirty="0">
                 <a:latin typeface="Rockwell" panose="02060603020205020403" pitchFamily="18" charset="0"/>
               </a:rPr>
               <a:t>Priorização de</a:t>
@@ -4355,7 +4298,7 @@
           </a:p>
           <a:p>
             <a:r>
-              <a:rPr lang="pt-BR" sz="1200" dirty="0" smtClean="0">
+              <a:rPr lang="pt-BR" sz="1200" dirty="0">
                 <a:latin typeface="Rockwell" panose="02060603020205020403" pitchFamily="18" charset="0"/>
               </a:rPr>
               <a:t>aplicativos</a:t>
@@ -4440,17 +4383,8 @@
               <a:rPr lang="pt-BR" sz="1200" dirty="0">
                 <a:latin typeface="Rockwell" panose="02060603020205020403" pitchFamily="18" charset="0"/>
               </a:rPr>
-              <a:t>R</a:t>
-            </a:r>
-            <a:r>
-              <a:rPr lang="pt-BR" sz="1200" dirty="0" smtClean="0">
-                <a:latin typeface="Rockwell" panose="02060603020205020403" pitchFamily="18" charset="0"/>
-              </a:rPr>
-              <a:t>elatórios de desemprenho de cada maquina</a:t>
-            </a:r>
-            <a:endParaRPr lang="pt-BR" sz="1200" dirty="0">
-              <a:latin typeface="Rockwell" panose="02060603020205020403" pitchFamily="18" charset="0"/>
-            </a:endParaRPr>
+              <a:t>Relatórios de desemprenho de cada maquina</a:t>
+            </a:r>
           </a:p>
         </p:txBody>
       </p:sp>
@@ -4579,7 +4513,7 @@
           <a:lstStyle/>
           <a:p>
             <a:r>
-              <a:rPr lang="pt-BR" sz="1200" dirty="0" smtClean="0">
+              <a:rPr lang="pt-BR" sz="1200" dirty="0">
                 <a:latin typeface="Rockwell" panose="02060603020205020403" pitchFamily="18" charset="0"/>
               </a:rPr>
               <a:t>OSHI</a:t>
@@ -4587,7 +4521,7 @@
           </a:p>
           <a:p>
             <a:r>
-              <a:rPr lang="pt-BR" sz="1200" dirty="0" smtClean="0">
+              <a:rPr lang="pt-BR" sz="1200" dirty="0">
                 <a:latin typeface="Rockwell" panose="02060603020205020403" pitchFamily="18" charset="0"/>
               </a:rPr>
               <a:t>BD AZURE</a:t>
@@ -4618,7 +4552,7 @@
           <a:lstStyle/>
           <a:p>
             <a:r>
-              <a:rPr lang="pt-BR" sz="1200" dirty="0" smtClean="0">
+              <a:rPr lang="pt-BR" sz="1200" dirty="0">
                 <a:latin typeface="Rockwell" panose="02060603020205020403" pitchFamily="18" charset="0"/>
               </a:rPr>
               <a:t>Restrição de sites e aplicações não necessários </a:t>
@@ -4700,14 +4634,11 @@
           <a:lstStyle/>
           <a:p>
             <a:r>
-              <a:rPr lang="pt-BR" sz="1100" dirty="0" smtClean="0">
+              <a:rPr lang="pt-BR" sz="1100" dirty="0">
                 <a:latin typeface="Rockwell" panose="02060603020205020403" pitchFamily="18" charset="0"/>
               </a:rPr>
               <a:t>Promover maior controle maior do gestor sobre a equipe</a:t>
             </a:r>
-            <a:endParaRPr lang="pt-BR" sz="1100" dirty="0">
-              <a:latin typeface="Rockwell" panose="02060603020205020403" pitchFamily="18" charset="0"/>
-            </a:endParaRPr>
           </a:p>
         </p:txBody>
       </p:sp>
@@ -4734,14 +4665,11 @@
           <a:lstStyle/>
           <a:p>
             <a:r>
-              <a:rPr lang="pt-BR" sz="1100" dirty="0" smtClean="0">
+              <a:rPr lang="pt-BR" sz="1100" dirty="0">
                 <a:latin typeface="Rockwell" panose="02060603020205020403" pitchFamily="18" charset="0"/>
               </a:rPr>
               <a:t>Analise de produtividade de cada funcionário por maquina</a:t>
             </a:r>
-            <a:endParaRPr lang="pt-BR" sz="1100" dirty="0" smtClean="0">
-              <a:latin typeface="Rockwell" panose="02060603020205020403" pitchFamily="18" charset="0"/>
-            </a:endParaRPr>
           </a:p>
         </p:txBody>
       </p:sp>
@@ -4819,14 +4747,11 @@
           <a:lstStyle/>
           <a:p>
             <a:r>
-              <a:rPr lang="pt-BR" sz="1200" dirty="0" smtClean="0">
+              <a:rPr lang="pt-BR" sz="1200" dirty="0">
                 <a:latin typeface="Rockwell" panose="02060603020205020403" pitchFamily="18" charset="0"/>
               </a:rPr>
               <a:t>Gestor</a:t>
             </a:r>
-            <a:endParaRPr lang="pt-BR" sz="1200" dirty="0" smtClean="0">
-              <a:latin typeface="Rockwell" panose="02060603020205020403" pitchFamily="18" charset="0"/>
-            </a:endParaRPr>
           </a:p>
         </p:txBody>
       </p:sp>
@@ -5677,7 +5602,7 @@
           <a:lstStyle/>
           <a:p>
             <a:r>
-              <a:rPr lang="pt-BR" sz="1200" dirty="0" smtClean="0">
+              <a:rPr lang="pt-BR" sz="1200" dirty="0">
                 <a:latin typeface="Rockwell" panose="02060603020205020403" pitchFamily="18" charset="0"/>
               </a:rPr>
               <a:t>Rendimento prejudicado</a:t>
@@ -5708,14 +5633,11 @@
           <a:lstStyle/>
           <a:p>
             <a:r>
-              <a:rPr lang="pt-BR" sz="1200" dirty="0" smtClean="0">
+              <a:rPr lang="pt-BR" sz="1200" dirty="0">
                 <a:latin typeface="Rockwell" panose="02060603020205020403" pitchFamily="18" charset="0"/>
               </a:rPr>
               <a:t> Gerenciar aplicações desnecessárias</a:t>
             </a:r>
-            <a:endParaRPr lang="pt-BR" sz="1200" dirty="0">
-              <a:latin typeface="Rockwell" panose="02060603020205020403" pitchFamily="18" charset="0"/>
-            </a:endParaRPr>
           </a:p>
         </p:txBody>
       </p:sp>
@@ -5745,19 +5667,7 @@
               <a:rPr lang="pt-BR" sz="1200" dirty="0">
                 <a:latin typeface="Rockwell" panose="02060603020205020403" pitchFamily="18" charset="0"/>
               </a:rPr>
-              <a:t>Memoria </a:t>
-            </a:r>
-            <a:r>
-              <a:rPr lang="pt-BR" sz="1200" dirty="0" smtClean="0">
-                <a:latin typeface="Rockwell" panose="02060603020205020403" pitchFamily="18" charset="0"/>
-              </a:rPr>
-              <a:t> </a:t>
-            </a:r>
-            <a:r>
-              <a:rPr lang="pt-BR" sz="1200" dirty="0" smtClean="0">
-                <a:latin typeface="Rockwell" panose="02060603020205020403" pitchFamily="18" charset="0"/>
-              </a:rPr>
-              <a:t>desnecessária</a:t>
+              <a:t>Memoria  desnecessária</a:t>
             </a:r>
           </a:p>
           <a:p>
@@ -5767,9 +5677,6 @@
               </a:rPr>
               <a:t>gasta</a:t>
             </a:r>
-            <a:endParaRPr lang="pt-BR" sz="1200" dirty="0" smtClean="0">
-              <a:latin typeface="Rockwell" panose="02060603020205020403" pitchFamily="18" charset="0"/>
-            </a:endParaRPr>
           </a:p>
         </p:txBody>
       </p:sp>
@@ -5796,14 +5703,11 @@
           <a:lstStyle/>
           <a:p>
             <a:r>
-              <a:rPr lang="pt-BR" sz="1200" dirty="0" smtClean="0">
+              <a:rPr lang="pt-BR" sz="1200" dirty="0">
                 <a:latin typeface="Rockwell" panose="02060603020205020403" pitchFamily="18" charset="0"/>
               </a:rPr>
               <a:t>Cadastrar funcionários e gestores</a:t>
             </a:r>
-            <a:endParaRPr lang="pt-BR" sz="1200" dirty="0" smtClean="0">
-              <a:latin typeface="Rockwell" panose="02060603020205020403" pitchFamily="18" charset="0"/>
-            </a:endParaRPr>
           </a:p>
         </p:txBody>
       </p:sp>
@@ -5830,11 +5734,75 @@
           <a:lstStyle/>
           <a:p>
             <a:r>
-              <a:rPr lang="pt-BR" sz="1200" dirty="0" smtClean="0">
+              <a:rPr lang="pt-BR" sz="1200" dirty="0">
                 <a:latin typeface="Rockwell" panose="02060603020205020403" pitchFamily="18" charset="0"/>
               </a:rPr>
               <a:t>Histórico de memoria por maquina</a:t>
             </a:r>
+          </a:p>
+        </p:txBody>
+      </p:sp>
+      <p:sp>
+        <p:nvSpPr>
+          <p:cNvPr id="36" name="CaixaDeTexto 35"/>
+          <p:cNvSpPr txBox="1"/>
+          <p:nvPr/>
+        </p:nvSpPr>
+        <p:spPr>
+          <a:xfrm>
+            <a:off x="8634550" y="2019526"/>
+            <a:ext cx="1491340" cy="461665"/>
+          </a:xfrm>
+          <a:prstGeom prst="rect">
+            <a:avLst/>
+          </a:prstGeom>
+          <a:noFill/>
+        </p:spPr>
+        <p:txBody>
+          <a:bodyPr wrap="square" rtlCol="0">
+            <a:spAutoFit/>
+          </a:bodyPr>
+          <a:lstStyle/>
+          <a:p>
+            <a:r>
+              <a:rPr lang="pt-BR" sz="1200" dirty="0">
+                <a:latin typeface="Rockwell" panose="02060603020205020403" pitchFamily="18" charset="0"/>
+              </a:rPr>
+              <a:t>Melhor gestão de</a:t>
+            </a:r>
+          </a:p>
+          <a:p>
+            <a:r>
+              <a:rPr lang="pt-BR" sz="1200" dirty="0">
+                <a:latin typeface="Rockwell" panose="02060603020205020403" pitchFamily="18" charset="0"/>
+              </a:rPr>
+              <a:t>atividades </a:t>
+            </a:r>
+          </a:p>
+        </p:txBody>
+      </p:sp>
+      <p:sp>
+        <p:nvSpPr>
+          <p:cNvPr id="37" name="CaixaDeTexto 36"/>
+          <p:cNvSpPr txBox="1"/>
+          <p:nvPr/>
+        </p:nvSpPr>
+        <p:spPr>
+          <a:xfrm>
+            <a:off x="10580910" y="4223971"/>
+            <a:ext cx="1491340" cy="276999"/>
+          </a:xfrm>
+          <a:prstGeom prst="rect">
+            <a:avLst/>
+          </a:prstGeom>
+          <a:noFill/>
+        </p:spPr>
+        <p:txBody>
+          <a:bodyPr wrap="square" rtlCol="0">
+            <a:spAutoFit/>
+          </a:bodyPr>
+          <a:lstStyle/>
+          <a:p>
             <a:endParaRPr lang="pt-BR" sz="1200" dirty="0">
               <a:latin typeface="Rockwell" panose="02060603020205020403" pitchFamily="18" charset="0"/>
             </a:endParaRPr>
@@ -5843,13 +5811,13 @@
       </p:sp>
       <p:sp>
         <p:nvSpPr>
-          <p:cNvPr id="36" name="CaixaDeTexto 35"/>
+          <p:cNvPr id="40" name="CaixaDeTexto 39"/>
           <p:cNvSpPr txBox="1"/>
           <p:nvPr/>
         </p:nvSpPr>
         <p:spPr>
           <a:xfrm>
-            <a:off x="8634550" y="2019526"/>
+            <a:off x="8741778" y="3077917"/>
             <a:ext cx="1491340" cy="461665"/>
           </a:xfrm>
           <a:prstGeom prst="rect">
@@ -5864,41 +5832,24 @@
           <a:lstStyle/>
           <a:p>
             <a:r>
-              <a:rPr lang="pt-BR" sz="1200" dirty="0" smtClean="0">
-                <a:latin typeface="Rockwell" panose="02060603020205020403" pitchFamily="18" charset="0"/>
-              </a:rPr>
-              <a:t>Melhor gestão de</a:t>
-            </a:r>
-          </a:p>
-          <a:p>
-            <a:r>
               <a:rPr lang="pt-BR" sz="1200" dirty="0">
                 <a:latin typeface="Rockwell" panose="02060603020205020403" pitchFamily="18" charset="0"/>
               </a:rPr>
-              <a:t>a</a:t>
-            </a:r>
-            <a:r>
-              <a:rPr lang="pt-BR" sz="1200" dirty="0" smtClean="0">
-                <a:latin typeface="Rockwell" panose="02060603020205020403" pitchFamily="18" charset="0"/>
-              </a:rPr>
-              <a:t>tividades </a:t>
-            </a:r>
-            <a:endParaRPr lang="pt-BR" sz="1200" dirty="0" smtClean="0">
-              <a:latin typeface="Rockwell" panose="02060603020205020403" pitchFamily="18" charset="0"/>
-            </a:endParaRPr>
-          </a:p>
-        </p:txBody>
-      </p:sp>
-      <p:sp>
-        <p:nvSpPr>
-          <p:cNvPr id="37" name="CaixaDeTexto 36"/>
+              <a:t>Controle de funcionários</a:t>
+            </a:r>
+          </a:p>
+        </p:txBody>
+      </p:sp>
+      <p:sp>
+        <p:nvSpPr>
+          <p:cNvPr id="41" name="CaixaDeTexto 40"/>
           <p:cNvSpPr txBox="1"/>
           <p:nvPr/>
         </p:nvSpPr>
         <p:spPr>
           <a:xfrm>
-            <a:off x="10580910" y="4223971"/>
-            <a:ext cx="1491340" cy="276999"/>
+            <a:off x="8634550" y="4122977"/>
+            <a:ext cx="1389017" cy="769441"/>
           </a:xfrm>
           <a:prstGeom prst="rect">
             <a:avLst/>
@@ -5911,22 +5862,25 @@
           </a:bodyPr>
           <a:lstStyle/>
           <a:p>
-            <a:endParaRPr lang="pt-BR" sz="1200" dirty="0" smtClean="0">
-              <a:latin typeface="Rockwell" panose="02060603020205020403" pitchFamily="18" charset="0"/>
-            </a:endParaRPr>
-          </a:p>
-        </p:txBody>
-      </p:sp>
-      <p:sp>
-        <p:nvSpPr>
-          <p:cNvPr id="40" name="CaixaDeTexto 39"/>
+            <a:r>
+              <a:rPr lang="pt-BR" sz="1100" dirty="0">
+                <a:latin typeface="Rockwell" panose="02060603020205020403" pitchFamily="18" charset="0"/>
+              </a:rPr>
+              <a:t>Desempenho do programa escolhido maximizado</a:t>
+            </a:r>
+          </a:p>
+        </p:txBody>
+      </p:sp>
+      <p:sp>
+        <p:nvSpPr>
+          <p:cNvPr id="43" name="CaixaDeTexto 42"/>
           <p:cNvSpPr txBox="1"/>
           <p:nvPr/>
         </p:nvSpPr>
         <p:spPr>
           <a:xfrm>
-            <a:off x="8741778" y="3077917"/>
-            <a:ext cx="1491340" cy="461665"/>
+            <a:off x="10658201" y="1941900"/>
+            <a:ext cx="1389017" cy="461665"/>
           </a:xfrm>
           <a:prstGeom prst="rect">
             <a:avLst/>
@@ -5940,27 +5894,24 @@
           <a:lstStyle/>
           <a:p>
             <a:r>
-              <a:rPr lang="pt-BR" sz="1200" dirty="0" smtClean="0">
+              <a:rPr lang="pt-BR" sz="1200" dirty="0">
                 <a:latin typeface="Rockwell" panose="02060603020205020403" pitchFamily="18" charset="0"/>
               </a:rPr>
-              <a:t>Controle de funcionários</a:t>
-            </a:r>
-            <a:endParaRPr lang="pt-BR" sz="1200" dirty="0" smtClean="0">
-              <a:latin typeface="Rockwell" panose="02060603020205020403" pitchFamily="18" charset="0"/>
-            </a:endParaRPr>
-          </a:p>
-        </p:txBody>
-      </p:sp>
-      <p:sp>
-        <p:nvSpPr>
-          <p:cNvPr id="41" name="CaixaDeTexto 40"/>
+              <a:t>Analise dos computadores</a:t>
+            </a:r>
+          </a:p>
+        </p:txBody>
+      </p:sp>
+      <p:sp>
+        <p:nvSpPr>
+          <p:cNvPr id="44" name="CaixaDeTexto 43"/>
           <p:cNvSpPr txBox="1"/>
           <p:nvPr/>
         </p:nvSpPr>
         <p:spPr>
           <a:xfrm>
-            <a:off x="8634550" y="4122977"/>
-            <a:ext cx="1389017" cy="769441"/>
+            <a:off x="10457093" y="3028604"/>
+            <a:ext cx="1449978" cy="646331"/>
           </a:xfrm>
           <a:prstGeom prst="rect">
             <a:avLst/>
@@ -5974,27 +5925,24 @@
           <a:lstStyle/>
           <a:p>
             <a:r>
-              <a:rPr lang="pt-BR" sz="1100" dirty="0" smtClean="0">
+              <a:rPr lang="pt-BR" sz="1200" dirty="0">
                 <a:latin typeface="Rockwell" panose="02060603020205020403" pitchFamily="18" charset="0"/>
               </a:rPr>
-              <a:t>Desempenho do programa escolhido maximizado</a:t>
-            </a:r>
-            <a:endParaRPr lang="pt-BR" sz="1100" dirty="0" smtClean="0">
-              <a:latin typeface="Rockwell" panose="02060603020205020403" pitchFamily="18" charset="0"/>
-            </a:endParaRPr>
-          </a:p>
-        </p:txBody>
-      </p:sp>
-      <p:sp>
-        <p:nvSpPr>
-          <p:cNvPr id="43" name="CaixaDeTexto 42"/>
+              <a:t>Menor consumo de conteúdo inadequado</a:t>
+            </a:r>
+          </a:p>
+        </p:txBody>
+      </p:sp>
+      <p:sp>
+        <p:nvSpPr>
+          <p:cNvPr id="39" name="CaixaDeTexto 38"/>
           <p:cNvSpPr txBox="1"/>
           <p:nvPr/>
         </p:nvSpPr>
         <p:spPr>
           <a:xfrm>
-            <a:off x="10658201" y="1941900"/>
-            <a:ext cx="1389017" cy="461665"/>
+            <a:off x="2253337" y="5748694"/>
+            <a:ext cx="1297580" cy="461665"/>
           </a:xfrm>
           <a:prstGeom prst="rect">
             <a:avLst/>
@@ -6008,27 +5956,32 @@
           <a:lstStyle/>
           <a:p>
             <a:r>
-              <a:rPr lang="pt-BR" sz="1200" dirty="0" smtClean="0">
+              <a:rPr lang="pt-BR" sz="1200" dirty="0">
                 <a:latin typeface="Rockwell" panose="02060603020205020403" pitchFamily="18" charset="0"/>
               </a:rPr>
-              <a:t>Analise dos computadores</a:t>
-            </a:r>
-            <a:endParaRPr lang="pt-BR" sz="1200" dirty="0">
-              <a:latin typeface="Rockwell" panose="02060603020205020403" pitchFamily="18" charset="0"/>
-            </a:endParaRPr>
-          </a:p>
-        </p:txBody>
-      </p:sp>
-      <p:sp>
-        <p:nvSpPr>
-          <p:cNvPr id="44" name="CaixaDeTexto 43"/>
+              <a:t>Proprietário/</a:t>
+            </a:r>
+          </a:p>
+          <a:p>
+            <a:r>
+              <a:rPr lang="pt-BR" sz="1200" dirty="0">
+                <a:latin typeface="Rockwell" panose="02060603020205020403" pitchFamily="18" charset="0"/>
+              </a:rPr>
+              <a:t>gestor</a:t>
+            </a:r>
+          </a:p>
+        </p:txBody>
+      </p:sp>
+      <p:sp>
+        <p:nvSpPr>
+          <p:cNvPr id="42" name="CaixaDeTexto 41"/>
           <p:cNvSpPr txBox="1"/>
           <p:nvPr/>
         </p:nvSpPr>
         <p:spPr>
           <a:xfrm>
-            <a:off x="10457093" y="3028604"/>
-            <a:ext cx="1449978" cy="646331"/>
+            <a:off x="3341473" y="4655670"/>
+            <a:ext cx="1297580" cy="276999"/>
           </a:xfrm>
           <a:prstGeom prst="rect">
             <a:avLst/>
@@ -6042,27 +5995,24 @@
           <a:lstStyle/>
           <a:p>
             <a:r>
-              <a:rPr lang="pt-BR" sz="1200" dirty="0" smtClean="0">
+              <a:rPr lang="pt-BR" sz="1200" dirty="0">
                 <a:latin typeface="Rockwell" panose="02060603020205020403" pitchFamily="18" charset="0"/>
               </a:rPr>
-              <a:t>Menor consumo de conteúdo inadequado</a:t>
-            </a:r>
-            <a:endParaRPr lang="pt-BR" sz="1200" dirty="0">
-              <a:latin typeface="Rockwell" panose="02060603020205020403" pitchFamily="18" charset="0"/>
-            </a:endParaRPr>
-          </a:p>
-        </p:txBody>
-      </p:sp>
-      <p:sp>
-        <p:nvSpPr>
-          <p:cNvPr id="39" name="CaixaDeTexto 38"/>
+              <a:t>Equipe de TI</a:t>
+            </a:r>
+          </a:p>
+        </p:txBody>
+      </p:sp>
+      <p:sp>
+        <p:nvSpPr>
+          <p:cNvPr id="45" name="CaixaDeTexto 44"/>
           <p:cNvSpPr txBox="1"/>
           <p:nvPr/>
         </p:nvSpPr>
         <p:spPr>
           <a:xfrm>
-            <a:off x="2253337" y="5748694"/>
-            <a:ext cx="1297580" cy="461665"/>
+            <a:off x="1414593" y="4646890"/>
+            <a:ext cx="1297580" cy="276999"/>
           </a:xfrm>
           <a:prstGeom prst="rect">
             <a:avLst/>
@@ -6076,35 +6026,24 @@
           <a:lstStyle/>
           <a:p>
             <a:r>
-              <a:rPr lang="pt-BR" sz="1200" dirty="0" smtClean="0">
+              <a:rPr lang="pt-BR" sz="1200" dirty="0">
                 <a:latin typeface="Rockwell" panose="02060603020205020403" pitchFamily="18" charset="0"/>
               </a:rPr>
-              <a:t>Proprietário/</a:t>
-            </a:r>
-          </a:p>
-          <a:p>
-            <a:r>
-              <a:rPr lang="pt-BR" sz="1200" dirty="0" smtClean="0">
-                <a:latin typeface="Rockwell" panose="02060603020205020403" pitchFamily="18" charset="0"/>
-              </a:rPr>
-              <a:t>gestor</a:t>
-            </a:r>
-            <a:endParaRPr lang="pt-BR" sz="1200" dirty="0" smtClean="0">
-              <a:latin typeface="Rockwell" panose="02060603020205020403" pitchFamily="18" charset="0"/>
-            </a:endParaRPr>
-          </a:p>
-        </p:txBody>
-      </p:sp>
-      <p:sp>
-        <p:nvSpPr>
-          <p:cNvPr id="42" name="CaixaDeTexto 41"/>
+              <a:t>Gestor</a:t>
+            </a:r>
+          </a:p>
+        </p:txBody>
+      </p:sp>
+      <p:sp>
+        <p:nvSpPr>
+          <p:cNvPr id="2" name="CaixaDeTexto 1"/>
           <p:cNvSpPr txBox="1"/>
           <p:nvPr/>
         </p:nvSpPr>
         <p:spPr>
           <a:xfrm>
-            <a:off x="3341473" y="4655670"/>
-            <a:ext cx="1297580" cy="276999"/>
+            <a:off x="936171" y="92307"/>
+            <a:ext cx="9760128" cy="523220"/>
           </a:xfrm>
           <a:prstGeom prst="rect">
             <a:avLst/>
@@ -6118,91 +6057,17 @@
           <a:lstStyle/>
           <a:p>
             <a:r>
-              <a:rPr lang="pt-BR" sz="1200" dirty="0" smtClean="0">
-                <a:latin typeface="Rockwell" panose="02060603020205020403" pitchFamily="18" charset="0"/>
-              </a:rPr>
-              <a:t>Equipe de TI</a:t>
-            </a:r>
-            <a:endParaRPr lang="pt-BR" sz="1200" dirty="0" smtClean="0">
-              <a:latin typeface="Rockwell" panose="02060603020205020403" pitchFamily="18" charset="0"/>
-            </a:endParaRPr>
-          </a:p>
-        </p:txBody>
-      </p:sp>
-      <p:sp>
-        <p:nvSpPr>
-          <p:cNvPr id="45" name="CaixaDeTexto 44"/>
-          <p:cNvSpPr txBox="1"/>
-          <p:nvPr/>
-        </p:nvSpPr>
-        <p:spPr>
-          <a:xfrm>
-            <a:off x="1414593" y="4646890"/>
-            <a:ext cx="1297580" cy="276999"/>
-          </a:xfrm>
-          <a:prstGeom prst="rect">
-            <a:avLst/>
-          </a:prstGeom>
-          <a:noFill/>
-        </p:spPr>
-        <p:txBody>
-          <a:bodyPr wrap="square" rtlCol="0">
-            <a:spAutoFit/>
-          </a:bodyPr>
-          <a:lstStyle/>
-          <a:p>
-            <a:r>
-              <a:rPr lang="pt-BR" sz="1200" dirty="0" smtClean="0">
-                <a:latin typeface="Rockwell" panose="02060603020205020403" pitchFamily="18" charset="0"/>
-              </a:rPr>
-              <a:t>Gestor</a:t>
-            </a:r>
-          </a:p>
-        </p:txBody>
-      </p:sp>
-      <p:sp>
-        <p:nvSpPr>
-          <p:cNvPr id="2" name="CaixaDeTexto 1"/>
-          <p:cNvSpPr txBox="1"/>
-          <p:nvPr/>
-        </p:nvSpPr>
-        <p:spPr>
-          <a:xfrm>
-            <a:off x="936171" y="92307"/>
-            <a:ext cx="9760128" cy="523220"/>
-          </a:xfrm>
-          <a:prstGeom prst="rect">
-            <a:avLst/>
-          </a:prstGeom>
-          <a:noFill/>
-        </p:spPr>
-        <p:txBody>
-          <a:bodyPr wrap="square" rtlCol="0">
-            <a:spAutoFit/>
-          </a:bodyPr>
-          <a:lstStyle/>
-          <a:p>
-            <a:r>
-              <a:rPr lang="pt-BR" sz="2800" b="1" dirty="0" err="1" smtClean="0">
+              <a:rPr lang="pt-BR" sz="2800" b="1" dirty="0" err="1">
                 <a:latin typeface="Franklin Gothic Medium" panose="020B0603020102020204" pitchFamily="34" charset="0"/>
               </a:rPr>
               <a:t>Pantec</a:t>
             </a:r>
             <a:r>
-              <a:rPr lang="pt-BR" sz="2800" b="1" dirty="0" smtClean="0">
+              <a:rPr lang="pt-BR" sz="2800" b="1" dirty="0">
                 <a:latin typeface="Franklin Gothic Medium" panose="020B0603020102020204" pitchFamily="34" charset="0"/>
               </a:rPr>
-              <a:t>– </a:t>
-            </a:r>
-            <a:r>
-              <a:rPr lang="pt-BR" sz="2800" b="1" dirty="0" smtClean="0">
-                <a:latin typeface="Franklin Gothic Medium" panose="020B0603020102020204" pitchFamily="34" charset="0"/>
-              </a:rPr>
-              <a:t>Visão micro</a:t>
-            </a:r>
-            <a:endParaRPr lang="pt-BR" sz="2800" b="1" dirty="0">
-              <a:latin typeface="Franklin Gothic Medium" panose="020B0603020102020204" pitchFamily="34" charset="0"/>
-            </a:endParaRPr>
+              <a:t>– Visão micro</a:t>
+            </a:r>
           </a:p>
         </p:txBody>
       </p:sp>
@@ -6265,14 +6130,11 @@
           <a:lstStyle/>
           <a:p>
             <a:r>
-              <a:rPr lang="pt-BR" sz="1200" dirty="0" smtClean="0">
+              <a:rPr lang="pt-BR" sz="1200" dirty="0">
                 <a:latin typeface="Rockwell" panose="02060603020205020403" pitchFamily="18" charset="0"/>
               </a:rPr>
               <a:t>Opção de bloqueio de sites e aplicações</a:t>
             </a:r>
-            <a:endParaRPr lang="pt-BR" sz="1200" dirty="0" smtClean="0">
-              <a:latin typeface="Rockwell" panose="02060603020205020403" pitchFamily="18" charset="0"/>
-            </a:endParaRPr>
           </a:p>
         </p:txBody>
       </p:sp>
@@ -6350,20 +6212,17 @@
           <a:lstStyle/>
           <a:p>
             <a:r>
-              <a:rPr lang="pt-BR" sz="1200" dirty="0" err="1" smtClean="0">
+              <a:rPr lang="pt-BR" sz="1200" dirty="0" err="1">
                 <a:latin typeface="Rockwell" panose="02060603020205020403" pitchFamily="18" charset="0"/>
               </a:rPr>
               <a:t>Dashboard</a:t>
             </a:r>
             <a:r>
-              <a:rPr lang="pt-BR" sz="1200" dirty="0" smtClean="0">
+              <a:rPr lang="pt-BR" sz="1200" dirty="0">
                 <a:latin typeface="Rockwell" panose="02060603020205020403" pitchFamily="18" charset="0"/>
               </a:rPr>
               <a:t> de desempenho </a:t>
             </a:r>
-            <a:endParaRPr lang="pt-BR" sz="1200" dirty="0" smtClean="0">
-              <a:latin typeface="Rockwell" panose="02060603020205020403" pitchFamily="18" charset="0"/>
-            </a:endParaRPr>
           </a:p>
         </p:txBody>
       </p:sp>
@@ -6441,14 +6300,11 @@
           <a:lstStyle/>
           <a:p>
             <a:r>
-              <a:rPr lang="pt-BR" sz="1200" dirty="0" smtClean="0">
+              <a:rPr lang="pt-BR" sz="1200" dirty="0">
                 <a:latin typeface="Rockwell" panose="02060603020205020403" pitchFamily="18" charset="0"/>
               </a:rPr>
               <a:t>Gerenciamento de programas em 2º plano</a:t>
             </a:r>
-            <a:endParaRPr lang="pt-BR" sz="1200" dirty="0">
-              <a:latin typeface="Rockwell" panose="02060603020205020403" pitchFamily="18" charset="0"/>
-            </a:endParaRPr>
           </a:p>
         </p:txBody>
       </p:sp>
@@ -6526,20 +6382,11 @@
           <a:lstStyle/>
           <a:p>
             <a:r>
-              <a:rPr lang="pt-BR" sz="1100" dirty="0" smtClean="0">
+              <a:rPr lang="pt-BR" sz="1100" dirty="0">
                 <a:latin typeface="Rockwell" panose="02060603020205020403" pitchFamily="18" charset="0"/>
               </a:rPr>
-              <a:t>Relatórios</a:t>
-            </a:r>
-            <a:r>
-              <a:rPr lang="pt-BR" sz="1100" dirty="0" smtClean="0">
-                <a:latin typeface="Rockwell" panose="02060603020205020403" pitchFamily="18" charset="0"/>
-              </a:rPr>
-              <a:t> </a:t>
-            </a:r>
-            <a:endParaRPr lang="pt-BR" sz="1100" dirty="0">
-              <a:latin typeface="Rockwell" panose="02060603020205020403" pitchFamily="18" charset="0"/>
-            </a:endParaRPr>
+              <a:t>Relatórios </a:t>
+            </a:r>
           </a:p>
         </p:txBody>
       </p:sp>
